--- a/TLT Symposium Jupyter Phase 1.pptx
+++ b/TLT Symposium Jupyter Phase 1.pptx
@@ -6,6 +6,7 @@
   </p:sldMasterIdLst>
   <p:sldIdLst>
     <p:sldId id="256" r:id="rId2"/>
+    <p:sldId id="257" r:id="rId3"/>
   </p:sldIdLst>
   <p:sldSz cx="12192000" cy="6858000"/>
   <p:notesSz cx="6858000" cy="9144000"/>
@@ -3311,7 +3312,7 @@
         <p:spPr>
           <a:xfrm>
             <a:off x="3728095" y="646852"/>
-            <a:ext cx="8131072" cy="954107"/>
+            <a:ext cx="8425576" cy="954107"/>
           </a:xfrm>
           <a:prstGeom prst="rect">
             <a:avLst/>
@@ -3326,14 +3327,14 @@
           <a:p>
             <a:r>
               <a:rPr lang="en-US" sz="2800" dirty="0"/>
-              <a:t>De-clutter the notebook interface as much as possible.</a:t>
+              <a:t>De-clutter the notebook interface. Avoid use of widgets, </a:t>
             </a:r>
             <a:br>
               <a:rPr lang="en-US" sz="2800" dirty="0"/>
             </a:br>
             <a:r>
               <a:rPr lang="en-US" sz="2800" dirty="0"/>
-              <a:t>Avoid use of widgets etc. whenever possible.</a:t>
+              <a:t>streamline I/O, frontend-independent. </a:t>
             </a:r>
           </a:p>
         </p:txBody>
@@ -3444,7 +3445,7 @@
         </p:nvSpPr>
         <p:spPr>
           <a:xfrm>
-            <a:off x="10197109" y="1269702"/>
+            <a:off x="10283658" y="1150513"/>
             <a:ext cx="1587294" cy="646331"/>
           </a:xfrm>
           <a:prstGeom prst="rect">
@@ -3506,7 +3507,7 @@
         </p:nvSpPr>
         <p:spPr>
           <a:xfrm>
-            <a:off x="10284299" y="3958939"/>
+            <a:off x="10197109" y="3955479"/>
             <a:ext cx="1587294" cy="646331"/>
           </a:xfrm>
           <a:prstGeom prst="rect">
@@ -3568,8 +3569,8 @@
         </p:nvSpPr>
         <p:spPr>
           <a:xfrm>
-            <a:off x="10088317" y="2531918"/>
-            <a:ext cx="1748812" cy="646331"/>
+            <a:off x="8584378" y="2552996"/>
+            <a:ext cx="3398559" cy="646331"/>
           </a:xfrm>
           <a:prstGeom prst="rect">
             <a:avLst/>
@@ -3606,8 +3607,59 @@
                   </a:outerShdw>
                 </a:effectLst>
               </a:rPr>
-              <a:t>VS Code</a:t>
-            </a:r>
+              <a:t>VS Code, </a:t>
+            </a:r>
+            <a:r>
+              <a:rPr lang="en-US" sz="3600" b="1" dirty="0" err="1">
+                <a:ln w="12700">
+                  <a:solidFill>
+                    <a:schemeClr val="accent1"/>
+                  </a:solidFill>
+                  <a:prstDash val="solid"/>
+                </a:ln>
+                <a:pattFill prst="pct50">
+                  <a:fgClr>
+                    <a:schemeClr val="accent1"/>
+                  </a:fgClr>
+                  <a:bgClr>
+                    <a:schemeClr val="accent1">
+                      <a:lumMod val="20000"/>
+                      <a:lumOff val="80000"/>
+                    </a:schemeClr>
+                  </a:bgClr>
+                </a:pattFill>
+                <a:effectLst>
+                  <a:outerShdw dist="38100" dir="2640000" algn="bl" rotWithShape="0">
+                    <a:schemeClr val="accent1"/>
+                  </a:outerShdw>
+                </a:effectLst>
+              </a:rPr>
+              <a:t>Nteract</a:t>
+            </a:r>
+            <a:endParaRPr lang="en-US" sz="3600" b="1" dirty="0">
+              <a:ln w="12700">
+                <a:solidFill>
+                  <a:schemeClr val="accent1"/>
+                </a:solidFill>
+                <a:prstDash val="solid"/>
+              </a:ln>
+              <a:pattFill prst="pct50">
+                <a:fgClr>
+                  <a:schemeClr val="accent1"/>
+                </a:fgClr>
+                <a:bgClr>
+                  <a:schemeClr val="accent1">
+                    <a:lumMod val="20000"/>
+                    <a:lumOff val="80000"/>
+                  </a:schemeClr>
+                </a:bgClr>
+              </a:pattFill>
+              <a:effectLst>
+                <a:outerShdw dist="38100" dir="2640000" algn="bl" rotWithShape="0">
+                  <a:schemeClr val="accent1"/>
+                </a:outerShdw>
+              </a:effectLst>
+            </a:endParaRPr>
           </a:p>
         </p:txBody>
       </p:sp>
@@ -3723,6 +3775,315 @@
     <p:extLst>
       <p:ext uri="{BB962C8B-B14F-4D97-AF65-F5344CB8AC3E}">
         <p14:creationId xmlns:p14="http://schemas.microsoft.com/office/powerpoint/2010/main" val="4208885587"/>
+      </p:ext>
+    </p:extLst>
+  </p:cSld>
+  <p:clrMapOvr>
+    <a:masterClrMapping/>
+  </p:clrMapOvr>
+</p:sld>
+</file>
+
+<file path=ppt/slides/slide2.xml><?xml version="1.0" encoding="utf-8"?>
+<p:sld xmlns:a="http://schemas.openxmlformats.org/drawingml/2006/main" xmlns:r="http://schemas.openxmlformats.org/officeDocument/2006/relationships" xmlns:p="http://schemas.openxmlformats.org/presentationml/2006/main">
+  <p:cSld>
+    <p:spTree>
+      <p:nvGrpSpPr>
+        <p:cNvPr id="1" name=""/>
+        <p:cNvGrpSpPr/>
+        <p:nvPr/>
+      </p:nvGrpSpPr>
+      <p:grpSpPr>
+        <a:xfrm>
+          <a:off x="0" y="0"/>
+          <a:ext cx="0" cy="0"/>
+          <a:chOff x="0" y="0"/>
+          <a:chExt cx="0" cy="0"/>
+        </a:xfrm>
+      </p:grpSpPr>
+      <p:sp>
+        <p:nvSpPr>
+          <p:cNvPr id="2" name="Rounded Rectangle 1">
+            <a:extLst>
+              <a:ext uri="{FF2B5EF4-FFF2-40B4-BE49-F238E27FC236}">
+                <a16:creationId xmlns:a16="http://schemas.microsoft.com/office/drawing/2014/main" id="{9641D32E-004A-B845-B244-F663CC57F89B}"/>
+              </a:ext>
+            </a:extLst>
+          </p:cNvPr>
+          <p:cNvSpPr/>
+          <p:nvPr/>
+        </p:nvSpPr>
+        <p:spPr>
+          <a:xfrm>
+            <a:off x="2028497" y="672662"/>
+            <a:ext cx="7882758" cy="1303283"/>
+          </a:xfrm>
+          <a:prstGeom prst="roundRect">
+            <a:avLst/>
+          </a:prstGeom>
+        </p:spPr>
+        <p:style>
+          <a:lnRef idx="2">
+            <a:schemeClr val="dk1"/>
+          </a:lnRef>
+          <a:fillRef idx="1">
+            <a:schemeClr val="lt1"/>
+          </a:fillRef>
+          <a:effectRef idx="0">
+            <a:schemeClr val="dk1"/>
+          </a:effectRef>
+          <a:fontRef idx="minor">
+            <a:schemeClr val="dk1"/>
+          </a:fontRef>
+        </p:style>
+        <p:txBody>
+          <a:bodyPr rtlCol="0" anchor="ctr"/>
+          <a:lstStyle/>
+          <a:p>
+            <a:pPr algn="ctr"/>
+            <a:endParaRPr lang="en-US"/>
+          </a:p>
+        </p:txBody>
+      </p:sp>
+      <p:sp>
+        <p:nvSpPr>
+          <p:cNvPr id="3" name="Rounded Rectangle 2">
+            <a:extLst>
+              <a:ext uri="{FF2B5EF4-FFF2-40B4-BE49-F238E27FC236}">
+                <a16:creationId xmlns:a16="http://schemas.microsoft.com/office/drawing/2014/main" id="{C19B79DA-68CE-854E-B077-4D2D2AE85F61}"/>
+              </a:ext>
+            </a:extLst>
+          </p:cNvPr>
+          <p:cNvSpPr/>
+          <p:nvPr/>
+        </p:nvSpPr>
+        <p:spPr>
+          <a:xfrm>
+            <a:off x="2028497" y="2338552"/>
+            <a:ext cx="7882758" cy="1303283"/>
+          </a:xfrm>
+          <a:prstGeom prst="roundRect">
+            <a:avLst/>
+          </a:prstGeom>
+        </p:spPr>
+        <p:style>
+          <a:lnRef idx="2">
+            <a:schemeClr val="dk1"/>
+          </a:lnRef>
+          <a:fillRef idx="1">
+            <a:schemeClr val="lt1"/>
+          </a:fillRef>
+          <a:effectRef idx="0">
+            <a:schemeClr val="dk1"/>
+          </a:effectRef>
+          <a:fontRef idx="minor">
+            <a:schemeClr val="dk1"/>
+          </a:fontRef>
+        </p:style>
+        <p:txBody>
+          <a:bodyPr rtlCol="0" anchor="ctr"/>
+          <a:lstStyle/>
+          <a:p>
+            <a:pPr algn="ctr"/>
+            <a:endParaRPr lang="en-US"/>
+          </a:p>
+        </p:txBody>
+      </p:sp>
+      <p:sp>
+        <p:nvSpPr>
+          <p:cNvPr id="4" name="Rounded Rectangle 3">
+            <a:extLst>
+              <a:ext uri="{FF2B5EF4-FFF2-40B4-BE49-F238E27FC236}">
+                <a16:creationId xmlns:a16="http://schemas.microsoft.com/office/drawing/2014/main" id="{2FEE5ACC-1301-9E4D-A021-C0AA1614204B}"/>
+              </a:ext>
+            </a:extLst>
+          </p:cNvPr>
+          <p:cNvSpPr/>
+          <p:nvPr/>
+        </p:nvSpPr>
+        <p:spPr>
+          <a:xfrm>
+            <a:off x="2028497" y="4004442"/>
+            <a:ext cx="7882758" cy="1303283"/>
+          </a:xfrm>
+          <a:prstGeom prst="roundRect">
+            <a:avLst/>
+          </a:prstGeom>
+        </p:spPr>
+        <p:style>
+          <a:lnRef idx="2">
+            <a:schemeClr val="dk1"/>
+          </a:lnRef>
+          <a:fillRef idx="1">
+            <a:schemeClr val="lt1"/>
+          </a:fillRef>
+          <a:effectRef idx="0">
+            <a:schemeClr val="dk1"/>
+          </a:effectRef>
+          <a:fontRef idx="minor">
+            <a:schemeClr val="dk1"/>
+          </a:fontRef>
+        </p:style>
+        <p:txBody>
+          <a:bodyPr rtlCol="0" anchor="ctr"/>
+          <a:lstStyle/>
+          <a:p>
+            <a:pPr algn="ctr"/>
+            <a:endParaRPr lang="en-US"/>
+          </a:p>
+        </p:txBody>
+      </p:sp>
+      <p:sp>
+        <p:nvSpPr>
+          <p:cNvPr id="5" name="Rectangle 4">
+            <a:extLst>
+              <a:ext uri="{FF2B5EF4-FFF2-40B4-BE49-F238E27FC236}">
+                <a16:creationId xmlns:a16="http://schemas.microsoft.com/office/drawing/2014/main" id="{B75F5FD8-EC81-014C-91BA-56B2CCB74CA2}"/>
+              </a:ext>
+            </a:extLst>
+          </p:cNvPr>
+          <p:cNvSpPr/>
+          <p:nvPr/>
+        </p:nvSpPr>
+        <p:spPr>
+          <a:xfrm>
+            <a:off x="2238703" y="683172"/>
+            <a:ext cx="262759" cy="1292773"/>
+          </a:xfrm>
+          <a:prstGeom prst="rect">
+            <a:avLst/>
+          </a:prstGeom>
+          <a:solidFill>
+            <a:schemeClr val="accent1"/>
+          </a:solidFill>
+        </p:spPr>
+        <p:style>
+          <a:lnRef idx="2">
+            <a:schemeClr val="accent1">
+              <a:shade val="50000"/>
+            </a:schemeClr>
+          </a:lnRef>
+          <a:fillRef idx="1">
+            <a:schemeClr val="accent1"/>
+          </a:fillRef>
+          <a:effectRef idx="0">
+            <a:schemeClr val="accent1"/>
+          </a:effectRef>
+          <a:fontRef idx="minor">
+            <a:schemeClr val="lt1"/>
+          </a:fontRef>
+        </p:style>
+        <p:txBody>
+          <a:bodyPr rtlCol="0" anchor="ctr"/>
+          <a:lstStyle/>
+          <a:p>
+            <a:pPr algn="ctr"/>
+            <a:endParaRPr lang="en-US"/>
+          </a:p>
+        </p:txBody>
+      </p:sp>
+      <p:sp>
+        <p:nvSpPr>
+          <p:cNvPr id="6" name="Rectangle 5">
+            <a:extLst>
+              <a:ext uri="{FF2B5EF4-FFF2-40B4-BE49-F238E27FC236}">
+                <a16:creationId xmlns:a16="http://schemas.microsoft.com/office/drawing/2014/main" id="{0DB29726-CFAB-184D-BB61-28E55C4068AE}"/>
+              </a:ext>
+            </a:extLst>
+          </p:cNvPr>
+          <p:cNvSpPr/>
+          <p:nvPr/>
+        </p:nvSpPr>
+        <p:spPr>
+          <a:xfrm>
+            <a:off x="2238703" y="2349062"/>
+            <a:ext cx="262759" cy="1292773"/>
+          </a:xfrm>
+          <a:prstGeom prst="rect">
+            <a:avLst/>
+          </a:prstGeom>
+          <a:solidFill>
+            <a:schemeClr val="accent6"/>
+          </a:solidFill>
+        </p:spPr>
+        <p:style>
+          <a:lnRef idx="2">
+            <a:schemeClr val="accent1">
+              <a:shade val="50000"/>
+            </a:schemeClr>
+          </a:lnRef>
+          <a:fillRef idx="1">
+            <a:schemeClr val="accent1"/>
+          </a:fillRef>
+          <a:effectRef idx="0">
+            <a:schemeClr val="accent1"/>
+          </a:effectRef>
+          <a:fontRef idx="minor">
+            <a:schemeClr val="lt1"/>
+          </a:fontRef>
+        </p:style>
+        <p:txBody>
+          <a:bodyPr rtlCol="0" anchor="ctr"/>
+          <a:lstStyle/>
+          <a:p>
+            <a:pPr algn="ctr"/>
+            <a:endParaRPr lang="en-US"/>
+          </a:p>
+        </p:txBody>
+      </p:sp>
+      <p:sp>
+        <p:nvSpPr>
+          <p:cNvPr id="7" name="Rectangle 6">
+            <a:extLst>
+              <a:ext uri="{FF2B5EF4-FFF2-40B4-BE49-F238E27FC236}">
+                <a16:creationId xmlns:a16="http://schemas.microsoft.com/office/drawing/2014/main" id="{7BF93603-ABB2-2240-9728-323498172039}"/>
+              </a:ext>
+            </a:extLst>
+          </p:cNvPr>
+          <p:cNvSpPr/>
+          <p:nvPr/>
+        </p:nvSpPr>
+        <p:spPr>
+          <a:xfrm>
+            <a:off x="2238703" y="4014952"/>
+            <a:ext cx="262759" cy="1292773"/>
+          </a:xfrm>
+          <a:prstGeom prst="rect">
+            <a:avLst/>
+          </a:prstGeom>
+          <a:solidFill>
+            <a:schemeClr val="accent2"/>
+          </a:solidFill>
+        </p:spPr>
+        <p:style>
+          <a:lnRef idx="2">
+            <a:schemeClr val="accent1">
+              <a:shade val="50000"/>
+            </a:schemeClr>
+          </a:lnRef>
+          <a:fillRef idx="1">
+            <a:schemeClr val="accent1"/>
+          </a:fillRef>
+          <a:effectRef idx="0">
+            <a:schemeClr val="accent1"/>
+          </a:effectRef>
+          <a:fontRef idx="minor">
+            <a:schemeClr val="lt1"/>
+          </a:fontRef>
+        </p:style>
+        <p:txBody>
+          <a:bodyPr rtlCol="0" anchor="ctr"/>
+          <a:lstStyle/>
+          <a:p>
+            <a:pPr algn="ctr"/>
+            <a:endParaRPr lang="en-US"/>
+          </a:p>
+        </p:txBody>
+      </p:sp>
+    </p:spTree>
+    <p:extLst>
+      <p:ext uri="{BB962C8B-B14F-4D97-AF65-F5344CB8AC3E}">
+        <p14:creationId xmlns:p14="http://schemas.microsoft.com/office/powerpoint/2010/main" val="3830525859"/>
       </p:ext>
     </p:extLst>
   </p:cSld>

--- a/TLT Symposium Jupyter Phase 1.pptx
+++ b/TLT Symposium Jupyter Phase 1.pptx
@@ -6,7 +6,6 @@
   </p:sldMasterIdLst>
   <p:sldIdLst>
     <p:sldId id="256" r:id="rId2"/>
-    <p:sldId id="257" r:id="rId3"/>
   </p:sldIdLst>
   <p:sldSz cx="12192000" cy="6858000"/>
   <p:notesSz cx="6858000" cy="9144000"/>
@@ -3784,315 +3783,6 @@
 </p:sld>
 </file>
 
-<file path=ppt/slides/slide2.xml><?xml version="1.0" encoding="utf-8"?>
-<p:sld xmlns:a="http://schemas.openxmlformats.org/drawingml/2006/main" xmlns:r="http://schemas.openxmlformats.org/officeDocument/2006/relationships" xmlns:p="http://schemas.openxmlformats.org/presentationml/2006/main">
-  <p:cSld>
-    <p:spTree>
-      <p:nvGrpSpPr>
-        <p:cNvPr id="1" name=""/>
-        <p:cNvGrpSpPr/>
-        <p:nvPr/>
-      </p:nvGrpSpPr>
-      <p:grpSpPr>
-        <a:xfrm>
-          <a:off x="0" y="0"/>
-          <a:ext cx="0" cy="0"/>
-          <a:chOff x="0" y="0"/>
-          <a:chExt cx="0" cy="0"/>
-        </a:xfrm>
-      </p:grpSpPr>
-      <p:sp>
-        <p:nvSpPr>
-          <p:cNvPr id="2" name="Rounded Rectangle 1">
-            <a:extLst>
-              <a:ext uri="{FF2B5EF4-FFF2-40B4-BE49-F238E27FC236}">
-                <a16:creationId xmlns:a16="http://schemas.microsoft.com/office/drawing/2014/main" id="{9641D32E-004A-B845-B244-F663CC57F89B}"/>
-              </a:ext>
-            </a:extLst>
-          </p:cNvPr>
-          <p:cNvSpPr/>
-          <p:nvPr/>
-        </p:nvSpPr>
-        <p:spPr>
-          <a:xfrm>
-            <a:off x="2028497" y="672662"/>
-            <a:ext cx="7882758" cy="1303283"/>
-          </a:xfrm>
-          <a:prstGeom prst="roundRect">
-            <a:avLst/>
-          </a:prstGeom>
-        </p:spPr>
-        <p:style>
-          <a:lnRef idx="2">
-            <a:schemeClr val="dk1"/>
-          </a:lnRef>
-          <a:fillRef idx="1">
-            <a:schemeClr val="lt1"/>
-          </a:fillRef>
-          <a:effectRef idx="0">
-            <a:schemeClr val="dk1"/>
-          </a:effectRef>
-          <a:fontRef idx="minor">
-            <a:schemeClr val="dk1"/>
-          </a:fontRef>
-        </p:style>
-        <p:txBody>
-          <a:bodyPr rtlCol="0" anchor="ctr"/>
-          <a:lstStyle/>
-          <a:p>
-            <a:pPr algn="ctr"/>
-            <a:endParaRPr lang="en-US"/>
-          </a:p>
-        </p:txBody>
-      </p:sp>
-      <p:sp>
-        <p:nvSpPr>
-          <p:cNvPr id="3" name="Rounded Rectangle 2">
-            <a:extLst>
-              <a:ext uri="{FF2B5EF4-FFF2-40B4-BE49-F238E27FC236}">
-                <a16:creationId xmlns:a16="http://schemas.microsoft.com/office/drawing/2014/main" id="{C19B79DA-68CE-854E-B077-4D2D2AE85F61}"/>
-              </a:ext>
-            </a:extLst>
-          </p:cNvPr>
-          <p:cNvSpPr/>
-          <p:nvPr/>
-        </p:nvSpPr>
-        <p:spPr>
-          <a:xfrm>
-            <a:off x="2028497" y="2338552"/>
-            <a:ext cx="7882758" cy="1303283"/>
-          </a:xfrm>
-          <a:prstGeom prst="roundRect">
-            <a:avLst/>
-          </a:prstGeom>
-        </p:spPr>
-        <p:style>
-          <a:lnRef idx="2">
-            <a:schemeClr val="dk1"/>
-          </a:lnRef>
-          <a:fillRef idx="1">
-            <a:schemeClr val="lt1"/>
-          </a:fillRef>
-          <a:effectRef idx="0">
-            <a:schemeClr val="dk1"/>
-          </a:effectRef>
-          <a:fontRef idx="minor">
-            <a:schemeClr val="dk1"/>
-          </a:fontRef>
-        </p:style>
-        <p:txBody>
-          <a:bodyPr rtlCol="0" anchor="ctr"/>
-          <a:lstStyle/>
-          <a:p>
-            <a:pPr algn="ctr"/>
-            <a:endParaRPr lang="en-US"/>
-          </a:p>
-        </p:txBody>
-      </p:sp>
-      <p:sp>
-        <p:nvSpPr>
-          <p:cNvPr id="4" name="Rounded Rectangle 3">
-            <a:extLst>
-              <a:ext uri="{FF2B5EF4-FFF2-40B4-BE49-F238E27FC236}">
-                <a16:creationId xmlns:a16="http://schemas.microsoft.com/office/drawing/2014/main" id="{2FEE5ACC-1301-9E4D-A021-C0AA1614204B}"/>
-              </a:ext>
-            </a:extLst>
-          </p:cNvPr>
-          <p:cNvSpPr/>
-          <p:nvPr/>
-        </p:nvSpPr>
-        <p:spPr>
-          <a:xfrm>
-            <a:off x="2028497" y="4004442"/>
-            <a:ext cx="7882758" cy="1303283"/>
-          </a:xfrm>
-          <a:prstGeom prst="roundRect">
-            <a:avLst/>
-          </a:prstGeom>
-        </p:spPr>
-        <p:style>
-          <a:lnRef idx="2">
-            <a:schemeClr val="dk1"/>
-          </a:lnRef>
-          <a:fillRef idx="1">
-            <a:schemeClr val="lt1"/>
-          </a:fillRef>
-          <a:effectRef idx="0">
-            <a:schemeClr val="dk1"/>
-          </a:effectRef>
-          <a:fontRef idx="minor">
-            <a:schemeClr val="dk1"/>
-          </a:fontRef>
-        </p:style>
-        <p:txBody>
-          <a:bodyPr rtlCol="0" anchor="ctr"/>
-          <a:lstStyle/>
-          <a:p>
-            <a:pPr algn="ctr"/>
-            <a:endParaRPr lang="en-US"/>
-          </a:p>
-        </p:txBody>
-      </p:sp>
-      <p:sp>
-        <p:nvSpPr>
-          <p:cNvPr id="5" name="Rectangle 4">
-            <a:extLst>
-              <a:ext uri="{FF2B5EF4-FFF2-40B4-BE49-F238E27FC236}">
-                <a16:creationId xmlns:a16="http://schemas.microsoft.com/office/drawing/2014/main" id="{B75F5FD8-EC81-014C-91BA-56B2CCB74CA2}"/>
-              </a:ext>
-            </a:extLst>
-          </p:cNvPr>
-          <p:cNvSpPr/>
-          <p:nvPr/>
-        </p:nvSpPr>
-        <p:spPr>
-          <a:xfrm>
-            <a:off x="2238703" y="683172"/>
-            <a:ext cx="262759" cy="1292773"/>
-          </a:xfrm>
-          <a:prstGeom prst="rect">
-            <a:avLst/>
-          </a:prstGeom>
-          <a:solidFill>
-            <a:schemeClr val="accent1"/>
-          </a:solidFill>
-        </p:spPr>
-        <p:style>
-          <a:lnRef idx="2">
-            <a:schemeClr val="accent1">
-              <a:shade val="50000"/>
-            </a:schemeClr>
-          </a:lnRef>
-          <a:fillRef idx="1">
-            <a:schemeClr val="accent1"/>
-          </a:fillRef>
-          <a:effectRef idx="0">
-            <a:schemeClr val="accent1"/>
-          </a:effectRef>
-          <a:fontRef idx="minor">
-            <a:schemeClr val="lt1"/>
-          </a:fontRef>
-        </p:style>
-        <p:txBody>
-          <a:bodyPr rtlCol="0" anchor="ctr"/>
-          <a:lstStyle/>
-          <a:p>
-            <a:pPr algn="ctr"/>
-            <a:endParaRPr lang="en-US"/>
-          </a:p>
-        </p:txBody>
-      </p:sp>
-      <p:sp>
-        <p:nvSpPr>
-          <p:cNvPr id="6" name="Rectangle 5">
-            <a:extLst>
-              <a:ext uri="{FF2B5EF4-FFF2-40B4-BE49-F238E27FC236}">
-                <a16:creationId xmlns:a16="http://schemas.microsoft.com/office/drawing/2014/main" id="{0DB29726-CFAB-184D-BB61-28E55C4068AE}"/>
-              </a:ext>
-            </a:extLst>
-          </p:cNvPr>
-          <p:cNvSpPr/>
-          <p:nvPr/>
-        </p:nvSpPr>
-        <p:spPr>
-          <a:xfrm>
-            <a:off x="2238703" y="2349062"/>
-            <a:ext cx="262759" cy="1292773"/>
-          </a:xfrm>
-          <a:prstGeom prst="rect">
-            <a:avLst/>
-          </a:prstGeom>
-          <a:solidFill>
-            <a:schemeClr val="accent6"/>
-          </a:solidFill>
-        </p:spPr>
-        <p:style>
-          <a:lnRef idx="2">
-            <a:schemeClr val="accent1">
-              <a:shade val="50000"/>
-            </a:schemeClr>
-          </a:lnRef>
-          <a:fillRef idx="1">
-            <a:schemeClr val="accent1"/>
-          </a:fillRef>
-          <a:effectRef idx="0">
-            <a:schemeClr val="accent1"/>
-          </a:effectRef>
-          <a:fontRef idx="minor">
-            <a:schemeClr val="lt1"/>
-          </a:fontRef>
-        </p:style>
-        <p:txBody>
-          <a:bodyPr rtlCol="0" anchor="ctr"/>
-          <a:lstStyle/>
-          <a:p>
-            <a:pPr algn="ctr"/>
-            <a:endParaRPr lang="en-US"/>
-          </a:p>
-        </p:txBody>
-      </p:sp>
-      <p:sp>
-        <p:nvSpPr>
-          <p:cNvPr id="7" name="Rectangle 6">
-            <a:extLst>
-              <a:ext uri="{FF2B5EF4-FFF2-40B4-BE49-F238E27FC236}">
-                <a16:creationId xmlns:a16="http://schemas.microsoft.com/office/drawing/2014/main" id="{7BF93603-ABB2-2240-9728-323498172039}"/>
-              </a:ext>
-            </a:extLst>
-          </p:cNvPr>
-          <p:cNvSpPr/>
-          <p:nvPr/>
-        </p:nvSpPr>
-        <p:spPr>
-          <a:xfrm>
-            <a:off x="2238703" y="4014952"/>
-            <a:ext cx="262759" cy="1292773"/>
-          </a:xfrm>
-          <a:prstGeom prst="rect">
-            <a:avLst/>
-          </a:prstGeom>
-          <a:solidFill>
-            <a:schemeClr val="accent2"/>
-          </a:solidFill>
-        </p:spPr>
-        <p:style>
-          <a:lnRef idx="2">
-            <a:schemeClr val="accent1">
-              <a:shade val="50000"/>
-            </a:schemeClr>
-          </a:lnRef>
-          <a:fillRef idx="1">
-            <a:schemeClr val="accent1"/>
-          </a:fillRef>
-          <a:effectRef idx="0">
-            <a:schemeClr val="accent1"/>
-          </a:effectRef>
-          <a:fontRef idx="minor">
-            <a:schemeClr val="lt1"/>
-          </a:fontRef>
-        </p:style>
-        <p:txBody>
-          <a:bodyPr rtlCol="0" anchor="ctr"/>
-          <a:lstStyle/>
-          <a:p>
-            <a:pPr algn="ctr"/>
-            <a:endParaRPr lang="en-US"/>
-          </a:p>
-        </p:txBody>
-      </p:sp>
-    </p:spTree>
-    <p:extLst>
-      <p:ext uri="{BB962C8B-B14F-4D97-AF65-F5344CB8AC3E}">
-        <p14:creationId xmlns:p14="http://schemas.microsoft.com/office/powerpoint/2010/main" val="3830525859"/>
-      </p:ext>
-    </p:extLst>
-  </p:cSld>
-  <p:clrMapOvr>
-    <a:masterClrMapping/>
-  </p:clrMapOvr>
-</p:sld>
-</file>
-
 <file path=ppt/theme/theme1.xml><?xml version="1.0" encoding="utf-8"?>
 <a:theme xmlns:a="http://schemas.openxmlformats.org/drawingml/2006/main" name="office theme">
   <a:themeElements>
